--- a/PRESENTATIONS/2024-11-wot-week/Presentations/2024-11-27-WoT-Conference-Archeion.pptx
+++ b/PRESENTATIONS/2024-11-wot-week/Presentations/2024-11-27-WoT-Conference-Archeion.pptx
@@ -257,7 +257,7 @@
       </p15:sldGuideLst>
     </p:ext>
     <p:ext uri="GoogleSlidesCustomDataVersion2">
-      <go:slidesCustomData xmlns:go="http://customooxmlschemas.google.com/" r:id="rId7" roundtripDataSignature="AMtx7miH8I23uTBaXtxAR/EZDVJpGYAQYQ=="/>
+      <go:slidesCustomData xmlns:go="http://customooxmlschemas.google.com/" r:id="rId7" roundtripDataSignature="AMtx7mjDEJ02wy/gcp1HDawKdK3TfDihKg=="/>
     </p:ext>
   </p:extLst>
 </p:presentation>
@@ -11713,14 +11713,8 @@
             <a:avLst/>
           </a:prstGeom>
           <a:noFill/>
-          <a:ln cap="flat" cmpd="sng" w="9525">
-            <a:solidFill>
-              <a:schemeClr val="accent1"/>
-            </a:solidFill>
-            <a:prstDash val="solid"/>
-            <a:round/>
-            <a:headEnd len="sm" w="sm" type="none"/>
-            <a:tailEnd len="sm" w="sm" type="none"/>
+          <a:ln>
+            <a:noFill/>
           </a:ln>
         </p:spPr>
         <p:txBody>
@@ -12863,6 +12857,63 @@
           </a:ln>
         </p:spPr>
       </p:pic>
+      <p:sp>
+        <p:nvSpPr>
+          <p:cNvPr id="124" name="Google Shape;124;p1"/>
+          <p:cNvSpPr txBox="1"/>
+          <p:nvPr/>
+        </p:nvSpPr>
+        <p:spPr>
+          <a:xfrm>
+            <a:off x="838200" y="6580400"/>
+            <a:ext cx="5181600" cy="195600"/>
+          </a:xfrm>
+          <a:prstGeom prst="rect">
+            <a:avLst/>
+          </a:prstGeom>
+          <a:noFill/>
+          <a:ln>
+            <a:noFill/>
+          </a:ln>
+        </p:spPr>
+        <p:txBody>
+          <a:bodyPr anchorCtr="0" anchor="t" bIns="91425" lIns="91425" spcFirstLastPara="1" rIns="91425" wrap="square" tIns="91425">
+            <a:noAutofit/>
+          </a:bodyPr>
+          <a:lstStyle/>
+          <a:p>
+            <a:pPr indent="0" lvl="0" marL="0" rtl="0" algn="l">
+              <a:spcBef>
+                <a:spcPts val="0"/>
+              </a:spcBef>
+              <a:spcAft>
+                <a:spcPts val="0"/>
+              </a:spcAft>
+              <a:buNone/>
+            </a:pPr>
+            <a:r>
+              <a:rPr lang="de-DE" sz="1050">
+                <a:solidFill>
+                  <a:srgbClr val="777777"/>
+                </a:solidFill>
+                <a:highlight>
+                  <a:srgbClr val="FFFFFF"/>
+                </a:highlight>
+              </a:rPr>
+              <a:t>This slide has been designed using resources from Flaticon.com</a:t>
+            </a:r>
+            <a:endParaRPr sz="2800">
+              <a:solidFill>
+                <a:schemeClr val="dk1"/>
+              </a:solidFill>
+              <a:latin typeface="Calibri"/>
+              <a:ea typeface="Calibri"/>
+              <a:cs typeface="Calibri"/>
+              <a:sym typeface="Calibri"/>
+            </a:endParaRPr>
+          </a:p>
+        </p:txBody>
+      </p:sp>
     </p:spTree>
   </p:cSld>
   <p:clrMapOvr>
